--- a/nrl_presentation.pptx
+++ b/nrl_presentation.pptx
@@ -6965,17 +6965,14 @@
               <a:buNone/>
               <a:tabLst/>
             </a:pPr>
-            <a:r>
-              <a:rPr lang="en-US" sz="800" b="0" i="0" u="none" strike="noStrike" kern="1200" cap="none">
-                <a:ln>
-                  <a:noFill/>
-                </a:ln>
-                <a:latin typeface="Liberation Sans" pitchFamily="18"/>
-                <a:ea typeface="Noto Sans CJK SC" pitchFamily="2"/>
-                <a:cs typeface="Lohit Devanagari" pitchFamily="2"/>
-              </a:rPr>
-              <a:t>node* next</a:t>
-            </a:r>
+            <a:endParaRPr lang="en-US" sz="800" b="0" i="0" u="none" strike="noStrike" kern="1200" cap="none" dirty="0">
+              <a:ln>
+                <a:noFill/>
+              </a:ln>
+              <a:latin typeface="Liberation Sans" pitchFamily="18"/>
+              <a:ea typeface="Noto Sans CJK SC" pitchFamily="2"/>
+              <a:cs typeface="Lohit Devanagari" pitchFamily="2"/>
+            </a:endParaRPr>
           </a:p>
         </p:txBody>
       </p:sp>
@@ -7052,7 +7049,7 @@
         </p:nvSpPr>
         <p:spPr>
           <a:xfrm>
-            <a:off x="911159" y="3090600"/>
+            <a:off x="1018441" y="3064398"/>
             <a:ext cx="1191959" cy="455040"/>
           </a:xfrm>
           <a:prstGeom prst="rect">
@@ -7081,7 +7078,7 @@
               <a:tabLst/>
             </a:pPr>
             <a:r>
-              <a:rPr lang="en-US" sz="800" b="0" i="0" u="none" strike="noStrike" kern="1200" cap="none">
+              <a:rPr lang="en-US" sz="800" b="0" i="0" u="none" strike="noStrike" kern="1200" cap="none" dirty="0">
                 <a:ln>
                   <a:noFill/>
                 </a:ln>
@@ -7089,25 +7086,10 @@
                 <a:ea typeface="Noto Sans CJK SC" pitchFamily="2"/>
                 <a:cs typeface="Lohit Devanagari" pitchFamily="2"/>
               </a:rPr>
-              <a:t>node* p_next</a:t>
-            </a:r>
-          </a:p>
-          <a:p>
-            <a:pPr marL="0" marR="0" lvl="0" indent="0" rtl="0" hangingPunct="0">
-              <a:lnSpc>
-                <a:spcPct val="100000"/>
-              </a:lnSpc>
-              <a:spcBef>
-                <a:spcPts val="0"/>
-              </a:spcBef>
-              <a:spcAft>
-                <a:spcPts val="0"/>
-              </a:spcAft>
-              <a:buNone/>
-              <a:tabLst/>
-            </a:pPr>
-            <a:r>
-              <a:rPr lang="en-US" sz="800" b="0" i="0" u="none" strike="noStrike" kern="1200" cap="none">
+              <a:t>node* </a:t>
+            </a:r>
+            <a:r>
+              <a:rPr lang="en-US" sz="800" b="0" i="0" u="none" strike="noStrike" kern="1200" cap="none" dirty="0" err="1">
                 <a:ln>
                   <a:noFill/>
                 </a:ln>
@@ -7115,8 +7097,61 @@
                 <a:ea typeface="Noto Sans CJK SC" pitchFamily="2"/>
                 <a:cs typeface="Lohit Devanagari" pitchFamily="2"/>
               </a:rPr>
-              <a:t>const char* p_data</a:t>
-            </a:r>
+              <a:t>p_next</a:t>
+            </a:r>
+            <a:endParaRPr lang="en-US" sz="800" b="0" i="0" u="none" strike="noStrike" kern="1200" cap="none" dirty="0">
+              <a:ln>
+                <a:noFill/>
+              </a:ln>
+              <a:latin typeface="Liberation Sans" pitchFamily="18"/>
+              <a:ea typeface="Noto Sans CJK SC" pitchFamily="2"/>
+              <a:cs typeface="Lohit Devanagari" pitchFamily="2"/>
+            </a:endParaRPr>
+          </a:p>
+          <a:p>
+            <a:pPr marL="0" marR="0" lvl="0" indent="0" rtl="0" hangingPunct="0">
+              <a:lnSpc>
+                <a:spcPct val="100000"/>
+              </a:lnSpc>
+              <a:spcBef>
+                <a:spcPts val="0"/>
+              </a:spcBef>
+              <a:spcAft>
+                <a:spcPts val="0"/>
+              </a:spcAft>
+              <a:buNone/>
+              <a:tabLst/>
+            </a:pPr>
+            <a:r>
+              <a:rPr lang="en-US" sz="800" b="0" i="0" u="none" strike="noStrike" kern="1200" cap="none" dirty="0">
+                <a:ln>
+                  <a:noFill/>
+                </a:ln>
+                <a:latin typeface="Liberation Sans" pitchFamily="18"/>
+                <a:ea typeface="Noto Sans CJK SC" pitchFamily="2"/>
+                <a:cs typeface="Lohit Devanagari" pitchFamily="2"/>
+              </a:rPr>
+              <a:t>const char* </a:t>
+            </a:r>
+            <a:r>
+              <a:rPr lang="en-US" sz="800" b="0" i="0" u="none" strike="noStrike" kern="1200" cap="none" dirty="0" err="1">
+                <a:ln>
+                  <a:noFill/>
+                </a:ln>
+                <a:latin typeface="Liberation Sans" pitchFamily="18"/>
+                <a:ea typeface="Noto Sans CJK SC" pitchFamily="2"/>
+                <a:cs typeface="Lohit Devanagari" pitchFamily="2"/>
+              </a:rPr>
+              <a:t>p_data</a:t>
+            </a:r>
+            <a:endParaRPr lang="en-US" sz="800" b="0" i="0" u="none" strike="noStrike" kern="1200" cap="none" dirty="0">
+              <a:ln>
+                <a:noFill/>
+              </a:ln>
+              <a:latin typeface="Liberation Sans" pitchFamily="18"/>
+              <a:ea typeface="Noto Sans CJK SC" pitchFamily="2"/>
+              <a:cs typeface="Lohit Devanagari" pitchFamily="2"/>
+            </a:endParaRPr>
           </a:p>
         </p:txBody>
       </p:sp>
